--- a/Präsentation2.pptx
+++ b/Präsentation2.pptx
@@ -4073,8 +4073,8 @@
         </p:nvCxnSpPr>
         <p:spPr>
           <a:xfrm flipV="1">
-            <a:off x="6052458" y="1553029"/>
-            <a:ext cx="2097313" cy="2002972"/>
+            <a:off x="6052458" y="1944914"/>
+            <a:ext cx="1574908" cy="1611087"/>
           </a:xfrm>
           <a:prstGeom prst="line">
             <a:avLst/>
@@ -4114,7 +4114,7 @@
         </p:nvSpPr>
         <p:spPr>
           <a:xfrm>
-            <a:off x="8331200" y="860546"/>
+            <a:off x="7627366" y="1430438"/>
             <a:ext cx="3679371" cy="1200329"/>
           </a:xfrm>
           <a:prstGeom prst="rect">
@@ -4176,7 +4176,7 @@
         <p:spPr>
           <a:xfrm>
             <a:off x="6054875" y="3661235"/>
-            <a:ext cx="2094896" cy="1856689"/>
+            <a:ext cx="1572491" cy="1607451"/>
           </a:xfrm>
           <a:prstGeom prst="line">
             <a:avLst/>
@@ -4423,7 +4423,7 @@
             <p:spPr>
               <a:xfrm>
                 <a:off x="3033484" y="3936645"/>
-                <a:ext cx="1117019" cy="348343"/>
+                <a:ext cx="1262745" cy="348343"/>
               </a:xfrm>
               <a:prstGeom prst="roundRect">
                 <a:avLst/>
@@ -4456,7 +4456,7 @@
               <a:bodyPr rtlCol="0" anchor="ctr"/>
               <a:lstStyle/>
               <a:p>
-                <a:pPr algn="ctr"/>
+                <a:pPr algn="r"/>
                 <a:r>
                   <a:rPr lang="en-US" sz="1400" dirty="0">
                     <a:latin typeface="Lucida Sans Typewriter" panose="020B0509030504030204" pitchFamily="49" charset="77"/>
@@ -4581,7 +4581,7 @@
         </p:nvSpPr>
         <p:spPr>
           <a:xfrm>
-            <a:off x="8149771" y="4344762"/>
+            <a:off x="7714343" y="4170594"/>
             <a:ext cx="2198915" cy="532153"/>
           </a:xfrm>
           <a:prstGeom prst="roundRect">
@@ -4642,8 +4642,8 @@
         </p:nvSpPr>
         <p:spPr>
           <a:xfrm>
-            <a:off x="8062794" y="4930454"/>
-            <a:ext cx="3947778" cy="923330"/>
+            <a:off x="7627366" y="4756286"/>
+            <a:ext cx="3947778" cy="2308324"/>
           </a:xfrm>
           <a:prstGeom prst="rect">
             <a:avLst/>
@@ -4668,6 +4668,65 @@
                 <a:latin typeface="Lucida Sans Typewriter" panose="020B0509030504030204" pitchFamily="49" charset="77"/>
               </a:rPr>
               <a:t>Please contact &lt;location&gt; hotline:</a:t>
+            </a:r>
+          </a:p>
+          <a:p>
+            <a:pPr marL="285750" indent="-285750">
+              <a:buFont typeface="Arial" panose="020B0604020202020204" pitchFamily="34" charset="0"/>
+              <a:buChar char="•"/>
+            </a:pPr>
+            <a:endParaRPr lang="en-US" dirty="0">
+              <a:solidFill>
+                <a:schemeClr val="bg1"/>
+              </a:solidFill>
+              <a:latin typeface="Lucida Sans Typewriter" panose="020B0509030504030204" pitchFamily="49" charset="77"/>
+            </a:endParaRPr>
+          </a:p>
+          <a:p>
+            <a:pPr marL="285750" indent="-285750">
+              <a:buFont typeface="Arial" panose="020B0604020202020204" pitchFamily="34" charset="0"/>
+              <a:buChar char="•"/>
+            </a:pPr>
+            <a:endParaRPr lang="en-US" dirty="0">
+              <a:solidFill>
+                <a:schemeClr val="bg1"/>
+              </a:solidFill>
+              <a:latin typeface="Lucida Sans Typewriter" panose="020B0509030504030204" pitchFamily="49" charset="77"/>
+            </a:endParaRPr>
+          </a:p>
+          <a:p>
+            <a:pPr marL="285750" indent="-285750">
+              <a:buFont typeface="Arial" panose="020B0604020202020204" pitchFamily="34" charset="0"/>
+              <a:buChar char="•"/>
+            </a:pPr>
+            <a:r>
+              <a:rPr lang="en-US" dirty="0">
+                <a:solidFill>
+                  <a:schemeClr val="bg1"/>
+                </a:solidFill>
+                <a:latin typeface="Lucida Sans Typewriter" panose="020B0509030504030204" pitchFamily="49" charset="77"/>
+              </a:rPr>
+              <a:t>Similar cases were successfully solved</a:t>
+            </a:r>
+          </a:p>
+          <a:p>
+            <a:r>
+              <a:rPr lang="en-US" dirty="0">
+                <a:solidFill>
+                  <a:schemeClr val="bg1"/>
+                </a:solidFill>
+                <a:latin typeface="Lucida Sans Typewriter" panose="020B0509030504030204" pitchFamily="49" charset="77"/>
+              </a:rPr>
+              <a:t>  </a:t>
+            </a:r>
+            <a:r>
+              <a:rPr lang="en-US" u="sng" dirty="0">
+                <a:solidFill>
+                  <a:srgbClr val="00B0F0"/>
+                </a:solidFill>
+                <a:latin typeface="Lucida Sans Typewriter" panose="020B0509030504030204" pitchFamily="49" charset="77"/>
+              </a:rPr>
+              <a:t>show</a:t>
             </a:r>
           </a:p>
           <a:p>
@@ -4714,7 +4773,7 @@
         </p:blipFill>
         <p:spPr>
           <a:xfrm>
-            <a:off x="8276944" y="5517924"/>
+            <a:off x="7899572" y="5343756"/>
             <a:ext cx="494080" cy="494080"/>
           </a:xfrm>
           <a:prstGeom prst="rect">
@@ -4736,7 +4795,7 @@
         </p:nvSpPr>
         <p:spPr>
           <a:xfrm>
-            <a:off x="8646714" y="5538000"/>
+            <a:off x="8269342" y="5363832"/>
             <a:ext cx="1439818" cy="369332"/>
           </a:xfrm>
           <a:prstGeom prst="rect">
@@ -4792,7 +4851,7 @@
         </p:blipFill>
         <p:spPr>
           <a:xfrm>
-            <a:off x="8232118" y="4417635"/>
+            <a:off x="7796690" y="4243467"/>
             <a:ext cx="468853" cy="395176"/>
           </a:xfrm>
           <a:prstGeom prst="rect">
@@ -4800,6 +4859,67 @@
           </a:prstGeom>
         </p:spPr>
       </p:pic>
+      <p:sp>
+        <p:nvSpPr>
+          <p:cNvPr id="38" name="Dreieck 37">
+            <a:extLst>
+              <a:ext uri="{FF2B5EF4-FFF2-40B4-BE49-F238E27FC236}">
+                <a16:creationId xmlns:a16="http://schemas.microsoft.com/office/drawing/2014/main" id="{44D98830-3F50-6C4C-BD04-5C705EFBC8E5}"/>
+              </a:ext>
+            </a:extLst>
+          </p:cNvPr>
+          <p:cNvSpPr/>
+          <p:nvPr/>
+        </p:nvSpPr>
+        <p:spPr>
+          <a:xfrm rot="5400000">
+            <a:off x="3025798" y="4044058"/>
+            <a:ext cx="251223" cy="147599"/>
+          </a:xfrm>
+          <a:prstGeom prst="triangle">
+            <a:avLst/>
+          </a:prstGeom>
+          <a:solidFill>
+            <a:srgbClr val="7030A0"/>
+          </a:solidFill>
+          <a:ln>
+            <a:solidFill>
+              <a:srgbClr val="7030A0"/>
+            </a:solidFill>
+          </a:ln>
+          <a:scene3d>
+            <a:camera prst="orthographicFront"/>
+            <a:lightRig rig="threePt" dir="t"/>
+          </a:scene3d>
+          <a:sp3d>
+            <a:bevelT/>
+          </a:sp3d>
+        </p:spPr>
+        <p:style>
+          <a:lnRef idx="2">
+            <a:schemeClr val="accent1">
+              <a:shade val="50000"/>
+            </a:schemeClr>
+          </a:lnRef>
+          <a:fillRef idx="1">
+            <a:schemeClr val="accent1"/>
+          </a:fillRef>
+          <a:effectRef idx="0">
+            <a:schemeClr val="accent1"/>
+          </a:effectRef>
+          <a:fontRef idx="minor">
+            <a:schemeClr val="lt1"/>
+          </a:fontRef>
+        </p:style>
+        <p:txBody>
+          <a:bodyPr rtlCol="0" anchor="ctr"/>
+          <a:lstStyle/>
+          <a:p>
+            <a:pPr algn="ctr"/>
+            <a:endParaRPr lang="en-US"/>
+          </a:p>
+        </p:txBody>
+      </p:sp>
     </p:spTree>
     <p:extLst>
       <p:ext uri="{BB962C8B-B14F-4D97-AF65-F5344CB8AC3E}">
